--- a/Exposicion/Presentacion HDF5.pptx
+++ b/Exposicion/Presentacion HDF5.pptx
@@ -123,6 +123,11 @@
       </a:defRPr>
     </a:lvl9pPr>
   </p:defaultTextStyle>
+  <p:extLst>
+    <p:ext uri="{EFAFB233-063F-42B5-8137-9DF3F51BA10A}">
+      <p15:sldGuideLst xmlns:p15="http://schemas.microsoft.com/office/powerpoint/2012/main"/>
+    </p:ext>
+  </p:extLst>
 </p:presentation>
 </file>
 
@@ -628,7 +633,7 @@
           <a:p>
             <a:fld id="{B7D94BFF-B4DE-478C-96A7-521B2B3A102D}" type="datetimeFigureOut">
               <a:rPr lang="es-CO" smtClean="0"/>
-              <a:t>7/12/2018</a:t>
+              <a:t>8/12/2018</a:t>
             </a:fld>
             <a:endParaRPr lang="es-CO"/>
           </a:p>
@@ -691,6 +696,7 @@
   <p:clrMapOvr>
     <a:masterClrMapping/>
   </p:clrMapOvr>
+  <p:transition spd="slow" advTm="19000"/>
 </p:sldLayout>
 </file>
 
@@ -924,7 +930,7 @@
           <a:p>
             <a:fld id="{B7D94BFF-B4DE-478C-96A7-521B2B3A102D}" type="datetimeFigureOut">
               <a:rPr lang="es-CO" smtClean="0"/>
-              <a:t>7/12/2018</a:t>
+              <a:t>8/12/2018</a:t>
             </a:fld>
             <a:endParaRPr lang="es-CO"/>
           </a:p>
@@ -982,6 +988,7 @@
   <p:clrMapOvr>
     <a:masterClrMapping/>
   </p:clrMapOvr>
+  <p:transition spd="slow" advTm="19000"/>
 </p:sldLayout>
 </file>
 
@@ -1172,7 +1179,7 @@
           <a:p>
             <a:fld id="{B7D94BFF-B4DE-478C-96A7-521B2B3A102D}" type="datetimeFigureOut">
               <a:rPr lang="es-CO" smtClean="0"/>
-              <a:t>7/12/2018</a:t>
+              <a:t>8/12/2018</a:t>
             </a:fld>
             <a:endParaRPr lang="es-CO"/>
           </a:p>
@@ -1230,6 +1237,7 @@
   <p:clrMapOvr>
     <a:masterClrMapping/>
   </p:clrMapOvr>
+  <p:transition spd="slow" advTm="19000"/>
 </p:sldLayout>
 </file>
 
@@ -1712,7 +1720,7 @@
           <a:p>
             <a:fld id="{B7D94BFF-B4DE-478C-96A7-521B2B3A102D}" type="datetimeFigureOut">
               <a:rPr lang="es-CO" smtClean="0"/>
-              <a:t>7/12/2018</a:t>
+              <a:t>8/12/2018</a:t>
             </a:fld>
             <a:endParaRPr lang="es-CO"/>
           </a:p>
@@ -1770,6 +1778,7 @@
   <p:clrMapOvr>
     <a:masterClrMapping/>
   </p:clrMapOvr>
+  <p:transition spd="slow" advTm="19000"/>
 </p:sldLayout>
 </file>
 
@@ -1960,7 +1969,7 @@
           <a:p>
             <a:fld id="{B7D94BFF-B4DE-478C-96A7-521B2B3A102D}" type="datetimeFigureOut">
               <a:rPr lang="es-CO" smtClean="0"/>
-              <a:t>7/12/2018</a:t>
+              <a:t>8/12/2018</a:t>
             </a:fld>
             <a:endParaRPr lang="es-CO"/>
           </a:p>
@@ -2018,6 +2027,7 @@
   <p:clrMapOvr>
     <a:masterClrMapping/>
   </p:clrMapOvr>
+  <p:transition spd="slow" advTm="19000"/>
 </p:sldLayout>
 </file>
 
@@ -2492,7 +2502,7 @@
           <a:p>
             <a:fld id="{B7D94BFF-B4DE-478C-96A7-521B2B3A102D}" type="datetimeFigureOut">
               <a:rPr lang="es-CO" smtClean="0"/>
-              <a:t>7/12/2018</a:t>
+              <a:t>8/12/2018</a:t>
             </a:fld>
             <a:endParaRPr lang="es-CO"/>
           </a:p>
@@ -2550,6 +2560,7 @@
   <p:clrMapOvr>
     <a:masterClrMapping/>
   </p:clrMapOvr>
+  <p:transition spd="slow" advTm="19000"/>
 </p:sldLayout>
 </file>
 
@@ -2789,7 +2800,7 @@
           <a:p>
             <a:fld id="{B7D94BFF-B4DE-478C-96A7-521B2B3A102D}" type="datetimeFigureOut">
               <a:rPr lang="es-CO" smtClean="0"/>
-              <a:t>7/12/2018</a:t>
+              <a:t>8/12/2018</a:t>
             </a:fld>
             <a:endParaRPr lang="es-CO"/>
           </a:p>
@@ -2847,6 +2858,7 @@
   <p:clrMapOvr>
     <a:masterClrMapping/>
   </p:clrMapOvr>
+  <p:transition spd="slow" advTm="19000"/>
 </p:sldLayout>
 </file>
 
@@ -2963,7 +2975,7 @@
           <a:p>
             <a:fld id="{B7D94BFF-B4DE-478C-96A7-521B2B3A102D}" type="datetimeFigureOut">
               <a:rPr lang="es-CO" smtClean="0"/>
-              <a:t>7/12/2018</a:t>
+              <a:t>8/12/2018</a:t>
             </a:fld>
             <a:endParaRPr lang="es-CO"/>
           </a:p>
@@ -3021,6 +3033,7 @@
   <p:clrMapOvr>
     <a:masterClrMapping/>
   </p:clrMapOvr>
+  <p:transition spd="slow" advTm="19000"/>
 </p:sldLayout>
 </file>
 
@@ -3143,7 +3156,7 @@
           <a:p>
             <a:fld id="{B7D94BFF-B4DE-478C-96A7-521B2B3A102D}" type="datetimeFigureOut">
               <a:rPr lang="es-CO" smtClean="0"/>
-              <a:t>7/12/2018</a:t>
+              <a:t>8/12/2018</a:t>
             </a:fld>
             <a:endParaRPr lang="es-CO"/>
           </a:p>
@@ -3201,6 +3214,7 @@
   <p:clrMapOvr>
     <a:masterClrMapping/>
   </p:clrMapOvr>
+  <p:transition spd="slow" advTm="19000"/>
 </p:sldLayout>
 </file>
 
@@ -3313,7 +3327,7 @@
           <a:p>
             <a:fld id="{B7D94BFF-B4DE-478C-96A7-521B2B3A102D}" type="datetimeFigureOut">
               <a:rPr lang="es-CO" smtClean="0"/>
-              <a:t>7/12/2018</a:t>
+              <a:t>8/12/2018</a:t>
             </a:fld>
             <a:endParaRPr lang="es-CO"/>
           </a:p>
@@ -3376,6 +3390,7 @@
   <p:clrMapOvr>
     <a:masterClrMapping/>
   </p:clrMapOvr>
+  <p:transition spd="slow" advTm="19000"/>
 </p:sldLayout>
 </file>
 
@@ -3564,7 +3579,7 @@
           <a:p>
             <a:fld id="{B7D94BFF-B4DE-478C-96A7-521B2B3A102D}" type="datetimeFigureOut">
               <a:rPr lang="es-CO" smtClean="0"/>
-              <a:t>7/12/2018</a:t>
+              <a:t>8/12/2018</a:t>
             </a:fld>
             <a:endParaRPr lang="es-CO"/>
           </a:p>
@@ -3622,6 +3637,7 @@
   <p:clrMapOvr>
     <a:masterClrMapping/>
   </p:clrMapOvr>
+  <p:transition spd="slow" advTm="19000"/>
 </p:sldLayout>
 </file>
 
@@ -3861,7 +3877,7 @@
           <a:p>
             <a:fld id="{B7D94BFF-B4DE-478C-96A7-521B2B3A102D}" type="datetimeFigureOut">
               <a:rPr lang="es-CO" smtClean="0"/>
-              <a:t>7/12/2018</a:t>
+              <a:t>8/12/2018</a:t>
             </a:fld>
             <a:endParaRPr lang="es-CO"/>
           </a:p>
@@ -3919,6 +3935,7 @@
   <p:clrMapOvr>
     <a:masterClrMapping/>
   </p:clrMapOvr>
+  <p:transition spd="slow" advTm="19000"/>
 </p:sldLayout>
 </file>
 
@@ -4303,7 +4320,7 @@
           <a:p>
             <a:fld id="{B7D94BFF-B4DE-478C-96A7-521B2B3A102D}" type="datetimeFigureOut">
               <a:rPr lang="es-CO" smtClean="0"/>
-              <a:t>7/12/2018</a:t>
+              <a:t>8/12/2018</a:t>
             </a:fld>
             <a:endParaRPr lang="es-CO"/>
           </a:p>
@@ -4361,6 +4378,7 @@
   <p:clrMapOvr>
     <a:masterClrMapping/>
   </p:clrMapOvr>
+  <p:transition spd="slow" advTm="19000"/>
 </p:sldLayout>
 </file>
 
@@ -4421,7 +4439,7 @@
           <a:p>
             <a:fld id="{B7D94BFF-B4DE-478C-96A7-521B2B3A102D}" type="datetimeFigureOut">
               <a:rPr lang="es-CO" smtClean="0"/>
-              <a:t>7/12/2018</a:t>
+              <a:t>8/12/2018</a:t>
             </a:fld>
             <a:endParaRPr lang="es-CO"/>
           </a:p>
@@ -4479,6 +4497,7 @@
   <p:clrMapOvr>
     <a:masterClrMapping/>
   </p:clrMapOvr>
+  <p:transition spd="slow" advTm="19000"/>
 </p:sldLayout>
 </file>
 
@@ -4516,7 +4535,7 @@
           <a:p>
             <a:fld id="{B7D94BFF-B4DE-478C-96A7-521B2B3A102D}" type="datetimeFigureOut">
               <a:rPr lang="es-CO" smtClean="0"/>
-              <a:t>7/12/2018</a:t>
+              <a:t>8/12/2018</a:t>
             </a:fld>
             <a:endParaRPr lang="es-CO"/>
           </a:p>
@@ -4574,6 +4593,7 @@
   <p:clrMapOvr>
     <a:masterClrMapping/>
   </p:clrMapOvr>
+  <p:transition spd="slow" advTm="19000"/>
 </p:sldLayout>
 </file>
 
@@ -4799,7 +4819,7 @@
           <a:p>
             <a:fld id="{B7D94BFF-B4DE-478C-96A7-521B2B3A102D}" type="datetimeFigureOut">
               <a:rPr lang="es-CO" smtClean="0"/>
-              <a:t>7/12/2018</a:t>
+              <a:t>8/12/2018</a:t>
             </a:fld>
             <a:endParaRPr lang="es-CO"/>
           </a:p>
@@ -4857,6 +4877,7 @@
   <p:clrMapOvr>
     <a:masterClrMapping/>
   </p:clrMapOvr>
+  <p:transition spd="slow" advTm="19000"/>
 </p:sldLayout>
 </file>
 
@@ -5090,7 +5111,7 @@
           <a:p>
             <a:fld id="{B7D94BFF-B4DE-478C-96A7-521B2B3A102D}" type="datetimeFigureOut">
               <a:rPr lang="es-CO" smtClean="0"/>
-              <a:t>7/12/2018</a:t>
+              <a:t>8/12/2018</a:t>
             </a:fld>
             <a:endParaRPr lang="es-CO"/>
           </a:p>
@@ -5148,6 +5169,7 @@
   <p:clrMapOvr>
     <a:masterClrMapping/>
   </p:clrMapOvr>
+  <p:transition spd="slow" advTm="19000"/>
 </p:sldLayout>
 </file>
 
@@ -5620,7 +5642,7 @@
           <a:p>
             <a:fld id="{B7D94BFF-B4DE-478C-96A7-521B2B3A102D}" type="datetimeFigureOut">
               <a:rPr lang="es-CO" smtClean="0"/>
-              <a:t>7/12/2018</a:t>
+              <a:t>8/12/2018</a:t>
             </a:fld>
             <a:endParaRPr lang="es-CO"/>
           </a:p>
@@ -5731,6 +5753,7 @@
     <p:sldLayoutId id="2147483676" r:id="rId16"/>
     <p:sldLayoutId id="2147483677" r:id="rId17"/>
   </p:sldLayoutIdLst>
+  <p:transition spd="slow" advTm="19000"/>
   <p:txStyles>
     <p:titleStyle>
       <a:lvl1pPr algn="ctr" defTabSz="457200" rtl="0" eaLnBrk="1" latinLnBrk="0" hangingPunct="1">
@@ -6229,14 +6252,7 @@
   <p:clrMapOvr>
     <a:masterClrMapping/>
   </p:clrMapOvr>
-  <mc:AlternateContent xmlns:mc="http://schemas.openxmlformats.org/markup-compatibility/2006">
-    <mc:Choice xmlns:p14="http://schemas.microsoft.com/office/powerpoint/2010/main" Requires="p14">
-      <p:transition spd="slow" p14:dur="2000"/>
-    </mc:Choice>
-    <mc:Fallback>
-      <p:transition spd="slow"/>
-    </mc:Fallback>
-  </mc:AlternateContent>
+  <p:transition spd="slow" advTm="19000"/>
   <p:timing>
     <p:tnLst>
       <p:par>
@@ -6298,14 +6314,7 @@
   <p:clrMapOvr>
     <a:masterClrMapping/>
   </p:clrMapOvr>
-  <mc:AlternateContent xmlns:mc="http://schemas.openxmlformats.org/markup-compatibility/2006">
-    <mc:Choice xmlns:p14="http://schemas.microsoft.com/office/powerpoint/2010/main" Requires="p14">
-      <p:transition spd="slow" p14:dur="2000"/>
-    </mc:Choice>
-    <mc:Fallback>
-      <p:transition spd="slow"/>
-    </mc:Fallback>
-  </mc:AlternateContent>
+  <p:transition spd="slow" advTm="19000"/>
   <p:timing>
     <p:tnLst>
       <p:par>
@@ -6367,14 +6376,7 @@
   <p:clrMapOvr>
     <a:masterClrMapping/>
   </p:clrMapOvr>
-  <mc:AlternateContent xmlns:mc="http://schemas.openxmlformats.org/markup-compatibility/2006">
-    <mc:Choice xmlns:p14="http://schemas.microsoft.com/office/powerpoint/2010/main" Requires="p14">
-      <p:transition spd="slow" p14:dur="2000"/>
-    </mc:Choice>
-    <mc:Fallback>
-      <p:transition spd="slow"/>
-    </mc:Fallback>
-  </mc:AlternateContent>
+  <p:transition spd="slow" advTm="19000"/>
   <p:timing>
     <p:tnLst>
       <p:par>
@@ -6436,14 +6438,7 @@
   <p:clrMapOvr>
     <a:masterClrMapping/>
   </p:clrMapOvr>
-  <mc:AlternateContent xmlns:mc="http://schemas.openxmlformats.org/markup-compatibility/2006">
-    <mc:Choice xmlns:p14="http://schemas.microsoft.com/office/powerpoint/2010/main" Requires="p14">
-      <p:transition spd="slow" p14:dur="2000"/>
-    </mc:Choice>
-    <mc:Fallback>
-      <p:transition spd="slow"/>
-    </mc:Fallback>
-  </mc:AlternateContent>
+  <p:transition spd="slow" advTm="19000"/>
   <p:timing>
     <p:tnLst>
       <p:par>
@@ -6505,14 +6500,7 @@
   <p:clrMapOvr>
     <a:masterClrMapping/>
   </p:clrMapOvr>
-  <mc:AlternateContent xmlns:mc="http://schemas.openxmlformats.org/markup-compatibility/2006">
-    <mc:Choice xmlns:p14="http://schemas.microsoft.com/office/powerpoint/2010/main" Requires="p14">
-      <p:transition spd="slow" p14:dur="2000"/>
-    </mc:Choice>
-    <mc:Fallback>
-      <p:transition spd="slow"/>
-    </mc:Fallback>
-  </mc:AlternateContent>
+  <p:transition spd="slow" advTm="19000"/>
   <p:timing>
     <p:tnLst>
       <p:par>
@@ -6574,14 +6562,7 @@
   <p:clrMapOvr>
     <a:masterClrMapping/>
   </p:clrMapOvr>
-  <mc:AlternateContent xmlns:mc="http://schemas.openxmlformats.org/markup-compatibility/2006">
-    <mc:Choice xmlns:p14="http://schemas.microsoft.com/office/powerpoint/2010/main" Requires="p14">
-      <p:transition spd="slow" p14:dur="2000"/>
-    </mc:Choice>
-    <mc:Fallback>
-      <p:transition spd="slow"/>
-    </mc:Fallback>
-  </mc:AlternateContent>
+  <p:transition spd="slow" advTm="19000"/>
   <p:timing>
     <p:tnLst>
       <p:par>
@@ -6643,14 +6624,7 @@
   <p:clrMapOvr>
     <a:masterClrMapping/>
   </p:clrMapOvr>
-  <mc:AlternateContent xmlns:mc="http://schemas.openxmlformats.org/markup-compatibility/2006">
-    <mc:Choice xmlns:p14="http://schemas.microsoft.com/office/powerpoint/2010/main" Requires="p14">
-      <p:transition spd="slow" p14:dur="2000"/>
-    </mc:Choice>
-    <mc:Fallback>
-      <p:transition spd="slow"/>
-    </mc:Fallback>
-  </mc:AlternateContent>
+  <p:transition spd="slow" advTm="19000"/>
   <p:timing>
     <p:tnLst>
       <p:par>
@@ -6712,14 +6686,7 @@
   <p:clrMapOvr>
     <a:masterClrMapping/>
   </p:clrMapOvr>
-  <mc:AlternateContent xmlns:mc="http://schemas.openxmlformats.org/markup-compatibility/2006">
-    <mc:Choice xmlns:p14="http://schemas.microsoft.com/office/powerpoint/2010/main" Requires="p14">
-      <p:transition spd="slow" p14:dur="2000"/>
-    </mc:Choice>
-    <mc:Fallback>
-      <p:transition spd="slow"/>
-    </mc:Fallback>
-  </mc:AlternateContent>
+  <p:transition spd="slow" advTm="19000"/>
   <p:timing>
     <p:tnLst>
       <p:par>
@@ -6781,14 +6748,7 @@
   <p:clrMapOvr>
     <a:masterClrMapping/>
   </p:clrMapOvr>
-  <mc:AlternateContent xmlns:mc="http://schemas.openxmlformats.org/markup-compatibility/2006">
-    <mc:Choice xmlns:p14="http://schemas.microsoft.com/office/powerpoint/2010/main" Requires="p14">
-      <p:transition spd="slow" p14:dur="2000"/>
-    </mc:Choice>
-    <mc:Fallback>
-      <p:transition spd="slow"/>
-    </mc:Fallback>
-  </mc:AlternateContent>
+  <p:transition spd="slow" advTm="19000"/>
   <p:timing>
     <p:tnLst>
       <p:par>
@@ -6867,14 +6827,7 @@
   <p:clrMapOvr>
     <a:masterClrMapping/>
   </p:clrMapOvr>
-  <mc:AlternateContent xmlns:mc="http://schemas.openxmlformats.org/markup-compatibility/2006">
-    <mc:Choice xmlns:p14="http://schemas.microsoft.com/office/powerpoint/2010/main" Requires="p14">
-      <p:transition spd="slow" p14:dur="2000"/>
-    </mc:Choice>
-    <mc:Fallback>
-      <p:transition spd="slow"/>
-    </mc:Fallback>
-  </mc:AlternateContent>
+  <p:transition spd="slow" advTm="19000"/>
   <p:timing>
     <p:tnLst>
       <p:par>
@@ -6953,14 +6906,7 @@
   <p:clrMapOvr>
     <a:masterClrMapping/>
   </p:clrMapOvr>
-  <mc:AlternateContent xmlns:mc="http://schemas.openxmlformats.org/markup-compatibility/2006">
-    <mc:Choice xmlns:p14="http://schemas.microsoft.com/office/powerpoint/2010/main" Requires="p14">
-      <p:transition spd="slow" p14:dur="2000"/>
-    </mc:Choice>
-    <mc:Fallback>
-      <p:transition spd="slow"/>
-    </mc:Fallback>
-  </mc:AlternateContent>
+  <p:transition spd="slow" advTm="19000"/>
   <p:timing>
     <p:tnLst>
       <p:par>
@@ -7199,14 +7145,7 @@
   <p:clrMapOvr>
     <a:masterClrMapping/>
   </p:clrMapOvr>
-  <mc:AlternateContent xmlns:mc="http://schemas.openxmlformats.org/markup-compatibility/2006">
-    <mc:Choice xmlns:p14="http://schemas.microsoft.com/office/powerpoint/2010/main" Requires="p14">
-      <p:transition spd="slow" p14:dur="2000"/>
-    </mc:Choice>
-    <mc:Fallback>
-      <p:transition spd="slow"/>
-    </mc:Fallback>
-  </mc:AlternateContent>
+  <p:transition spd="slow" advTm="19000"/>
   <p:timing>
     <p:tnLst>
       <p:par>
@@ -7326,14 +7265,7 @@
   <p:clrMapOvr>
     <a:masterClrMapping/>
   </p:clrMapOvr>
-  <mc:AlternateContent xmlns:mc="http://schemas.openxmlformats.org/markup-compatibility/2006">
-    <mc:Choice xmlns:p14="http://schemas.microsoft.com/office/powerpoint/2010/main" Requires="p14">
-      <p:transition spd="slow" p14:dur="2000"/>
-    </mc:Choice>
-    <mc:Fallback>
-      <p:transition spd="slow"/>
-    </mc:Fallback>
-  </mc:AlternateContent>
+  <p:transition spd="slow" advTm="19000"/>
   <p:timing>
     <p:tnLst>
       <p:par>
@@ -7509,14 +7441,7 @@
   <p:clrMapOvr>
     <a:masterClrMapping/>
   </p:clrMapOvr>
-  <mc:AlternateContent xmlns:mc="http://schemas.openxmlformats.org/markup-compatibility/2006">
-    <mc:Choice xmlns:p14="http://schemas.microsoft.com/office/powerpoint/2010/main" Requires="p14">
-      <p:transition spd="slow" p14:dur="2000"/>
-    </mc:Choice>
-    <mc:Fallback>
-      <p:transition spd="slow"/>
-    </mc:Fallback>
-  </mc:AlternateContent>
+  <p:transition spd="slow" advTm="19000"/>
   <p:timing>
     <p:tnLst>
       <p:par>
@@ -7578,14 +7503,7 @@
   <p:clrMapOvr>
     <a:masterClrMapping/>
   </p:clrMapOvr>
-  <mc:AlternateContent xmlns:mc="http://schemas.openxmlformats.org/markup-compatibility/2006">
-    <mc:Choice xmlns:p14="http://schemas.microsoft.com/office/powerpoint/2010/main" Requires="p14">
-      <p:transition spd="slow" p14:dur="2000"/>
-    </mc:Choice>
-    <mc:Fallback>
-      <p:transition spd="slow"/>
-    </mc:Fallback>
-  </mc:AlternateContent>
+  <p:transition spd="slow" advTm="19000"/>
   <p:timing>
     <p:tnLst>
       <p:par>
@@ -7885,14 +7803,7 @@
   <p:clrMapOvr>
     <a:masterClrMapping/>
   </p:clrMapOvr>
-  <mc:AlternateContent xmlns:mc="http://schemas.openxmlformats.org/markup-compatibility/2006">
-    <mc:Choice xmlns:p14="http://schemas.microsoft.com/office/powerpoint/2010/main" Requires="p14">
-      <p:transition spd="slow" p14:dur="2000"/>
-    </mc:Choice>
-    <mc:Fallback>
-      <p:transition spd="slow"/>
-    </mc:Fallback>
-  </mc:AlternateContent>
+  <p:transition spd="slow" advTm="18000"/>
   <p:timing>
     <p:tnLst>
       <p:par>
@@ -8015,14 +7926,7 @@
   <p:clrMapOvr>
     <a:masterClrMapping/>
   </p:clrMapOvr>
-  <mc:AlternateContent xmlns:mc="http://schemas.openxmlformats.org/markup-compatibility/2006">
-    <mc:Choice xmlns:p14="http://schemas.microsoft.com/office/powerpoint/2010/main" Requires="p14">
-      <p:transition spd="slow" p14:dur="2000"/>
-    </mc:Choice>
-    <mc:Fallback>
-      <p:transition spd="slow"/>
-    </mc:Fallback>
-  </mc:AlternateContent>
+  <p:transition spd="slow" advTm="19000"/>
   <p:timing>
     <p:tnLst>
       <p:par>
@@ -8084,14 +7988,7 @@
   <p:clrMapOvr>
     <a:masterClrMapping/>
   </p:clrMapOvr>
-  <mc:AlternateContent xmlns:mc="http://schemas.openxmlformats.org/markup-compatibility/2006">
-    <mc:Choice xmlns:p14="http://schemas.microsoft.com/office/powerpoint/2010/main" Requires="p14">
-      <p:transition spd="slow" p14:dur="2000"/>
-    </mc:Choice>
-    <mc:Fallback>
-      <p:transition spd="slow"/>
-    </mc:Fallback>
-  </mc:AlternateContent>
+  <p:transition spd="slow" advTm="19000"/>
   <p:timing>
     <p:tnLst>
       <p:par>
@@ -8153,14 +8050,7 @@
   <p:clrMapOvr>
     <a:masterClrMapping/>
   </p:clrMapOvr>
-  <mc:AlternateContent xmlns:mc="http://schemas.openxmlformats.org/markup-compatibility/2006">
-    <mc:Choice xmlns:p14="http://schemas.microsoft.com/office/powerpoint/2010/main" Requires="p14">
-      <p:transition spd="slow" p14:dur="2000"/>
-    </mc:Choice>
-    <mc:Fallback>
-      <p:transition spd="slow"/>
-    </mc:Fallback>
-  </mc:AlternateContent>
+  <p:transition spd="slow" advTm="19000"/>
   <p:timing>
     <p:tnLst>
       <p:par>
@@ -8222,14 +8112,7 @@
   <p:clrMapOvr>
     <a:masterClrMapping/>
   </p:clrMapOvr>
-  <mc:AlternateContent xmlns:mc="http://schemas.openxmlformats.org/markup-compatibility/2006">
-    <mc:Choice xmlns:p14="http://schemas.microsoft.com/office/powerpoint/2010/main" Requires="p14">
-      <p:transition spd="slow" p14:dur="2000"/>
-    </mc:Choice>
-    <mc:Fallback>
-      <p:transition spd="slow"/>
-    </mc:Fallback>
-  </mc:AlternateContent>
+  <p:transition spd="slow" advTm="19000"/>
   <p:timing>
     <p:tnLst>
       <p:par>
